--- a/docs/InternetOfThings_Part2.pptx
+++ b/docs/InternetOfThings_Part2.pptx
@@ -117,7 +117,7 @@
   </p:defaultTextStyle>
   <p:extLst>
     <p:ext uri="{EFAFB233-063F-42B5-8137-9DF3F51BA10A}">
-      <p15:sldGuideLst xmlns:p15="http://schemas.microsoft.com/office/powerpoint/2012/main">
+      <p15:sldGuideLst xmlns:p15="http://schemas.microsoft.com/office/powerpoint/2012/main" xmlns="">
         <p15:guide id="1" orient="horz" pos="2160">
           <p15:clr>
             <a:srgbClr val="A4A3A4"/>
@@ -324,7 +324,7 @@
             <a:fld id="{9CEFAD04-0E20-4919-AC81-0484DA486390}" type="datetimeFigureOut">
               <a:rPr lang="en-US" smtClean="0"/>
               <a:pPr/>
-              <a:t>5/1/2013</a:t>
+              <a:t>5/2/2013</a:t>
             </a:fld>
             <a:endParaRPr lang="en-US" dirty="0"/>
           </a:p>
@@ -378,11 +378,11 @@
   <p:clrMapOvr>
     <a:masterClrMapping/>
   </p:clrMapOvr>
-  <mc:AlternateContent xmlns:mc="http://schemas.openxmlformats.org/markup-compatibility/2006" xmlns:p14="http://schemas.microsoft.com/office/powerpoint/2010/main">
-    <mc:Choice Requires="p14">
+  <mc:AlternateContent xmlns:mc="http://schemas.openxmlformats.org/markup-compatibility/2006">
+    <mc:Choice xmlns:p14="http://schemas.microsoft.com/office/powerpoint/2010/main" xmlns="" Requires="p14">
       <p:transition p14:dur="0"/>
     </mc:Choice>
-    <mc:Fallback xmlns="">
+    <mc:Fallback>
       <p:transition/>
     </mc:Fallback>
   </mc:AlternateContent>
@@ -511,7 +511,7 @@
             <a:fld id="{9CEFAD04-0E20-4919-AC81-0484DA486390}" type="datetimeFigureOut">
               <a:rPr lang="en-US" smtClean="0"/>
               <a:pPr/>
-              <a:t>5/1/2013</a:t>
+              <a:t>5/2/2013</a:t>
             </a:fld>
             <a:endParaRPr lang="en-US" dirty="0"/>
           </a:p>
@@ -565,11 +565,11 @@
   <p:clrMapOvr>
     <a:masterClrMapping/>
   </p:clrMapOvr>
-  <mc:AlternateContent xmlns:mc="http://schemas.openxmlformats.org/markup-compatibility/2006" xmlns:p14="http://schemas.microsoft.com/office/powerpoint/2010/main">
-    <mc:Choice Requires="p14">
+  <mc:AlternateContent xmlns:mc="http://schemas.openxmlformats.org/markup-compatibility/2006">
+    <mc:Choice xmlns:p14="http://schemas.microsoft.com/office/powerpoint/2010/main" xmlns="" Requires="p14">
       <p:transition p14:dur="0"/>
     </mc:Choice>
-    <mc:Fallback xmlns="">
+    <mc:Fallback>
       <p:transition/>
     </mc:Fallback>
   </mc:AlternateContent>
@@ -719,7 +719,7 @@
             <a:fld id="{9CEFAD04-0E20-4919-AC81-0484DA486390}" type="datetimeFigureOut">
               <a:rPr lang="en-US" smtClean="0"/>
               <a:pPr/>
-              <a:t>5/1/2013</a:t>
+              <a:t>5/2/2013</a:t>
             </a:fld>
             <a:endParaRPr lang="en-US" dirty="0"/>
           </a:p>
@@ -773,11 +773,11 @@
   <p:clrMapOvr>
     <a:masterClrMapping/>
   </p:clrMapOvr>
-  <mc:AlternateContent xmlns:mc="http://schemas.openxmlformats.org/markup-compatibility/2006" xmlns:p14="http://schemas.microsoft.com/office/powerpoint/2010/main">
-    <mc:Choice Requires="p14">
+  <mc:AlternateContent xmlns:mc="http://schemas.openxmlformats.org/markup-compatibility/2006">
+    <mc:Choice xmlns:p14="http://schemas.microsoft.com/office/powerpoint/2010/main" xmlns="" Requires="p14">
       <p:transition p14:dur="0"/>
     </mc:Choice>
-    <mc:Fallback xmlns="">
+    <mc:Fallback>
       <p:transition/>
     </mc:Fallback>
   </mc:AlternateContent>
@@ -883,7 +883,7 @@
             <a:fld id="{9CEFAD04-0E20-4919-AC81-0484DA486390}" type="datetimeFigureOut">
               <a:rPr lang="en-US" smtClean="0"/>
               <a:pPr/>
-              <a:t>5/1/2013</a:t>
+              <a:t>5/2/2013</a:t>
             </a:fld>
             <a:endParaRPr lang="en-US" dirty="0"/>
           </a:p>
@@ -960,11 +960,11 @@
   <p:clrMapOvr>
     <a:masterClrMapping/>
   </p:clrMapOvr>
-  <mc:AlternateContent xmlns:mc="http://schemas.openxmlformats.org/markup-compatibility/2006" xmlns:p14="http://schemas.microsoft.com/office/powerpoint/2010/main">
-    <mc:Choice Requires="p14">
+  <mc:AlternateContent xmlns:mc="http://schemas.openxmlformats.org/markup-compatibility/2006">
+    <mc:Choice xmlns:p14="http://schemas.microsoft.com/office/powerpoint/2010/main" xmlns="" Requires="p14">
       <p:transition p14:dur="0"/>
     </mc:Choice>
-    <mc:Fallback xmlns="">
+    <mc:Fallback>
       <p:transition/>
     </mc:Fallback>
   </mc:AlternateContent>
@@ -1168,7 +1168,7 @@
             <a:fld id="{9CEFAD04-0E20-4919-AC81-0484DA486390}" type="datetimeFigureOut">
               <a:rPr lang="en-US" smtClean="0"/>
               <a:pPr/>
-              <a:t>5/1/2013</a:t>
+              <a:t>5/2/2013</a:t>
             </a:fld>
             <a:endParaRPr lang="en-US" dirty="0"/>
           </a:p>
@@ -1222,11 +1222,11 @@
   <p:clrMapOvr>
     <a:masterClrMapping/>
   </p:clrMapOvr>
-  <mc:AlternateContent xmlns:mc="http://schemas.openxmlformats.org/markup-compatibility/2006" xmlns:p14="http://schemas.microsoft.com/office/powerpoint/2010/main">
-    <mc:Choice Requires="p14">
+  <mc:AlternateContent xmlns:mc="http://schemas.openxmlformats.org/markup-compatibility/2006">
+    <mc:Choice xmlns:p14="http://schemas.microsoft.com/office/powerpoint/2010/main" xmlns="" Requires="p14">
       <p:transition p14:dur="0"/>
     </mc:Choice>
-    <mc:Fallback xmlns="">
+    <mc:Fallback>
       <p:transition/>
     </mc:Fallback>
   </mc:AlternateContent>
@@ -1477,7 +1477,7 @@
             <a:fld id="{9CEFAD04-0E20-4919-AC81-0484DA486390}" type="datetimeFigureOut">
               <a:rPr lang="en-US" smtClean="0"/>
               <a:pPr/>
-              <a:t>5/1/2013</a:t>
+              <a:t>5/2/2013</a:t>
             </a:fld>
             <a:endParaRPr lang="en-US" dirty="0"/>
           </a:p>
@@ -1536,11 +1536,11 @@
   <p:clrMapOvr>
     <a:masterClrMapping/>
   </p:clrMapOvr>
-  <mc:AlternateContent xmlns:mc="http://schemas.openxmlformats.org/markup-compatibility/2006" xmlns:p14="http://schemas.microsoft.com/office/powerpoint/2010/main">
-    <mc:Choice Requires="p14">
+  <mc:AlternateContent xmlns:mc="http://schemas.openxmlformats.org/markup-compatibility/2006">
+    <mc:Choice xmlns:p14="http://schemas.microsoft.com/office/powerpoint/2010/main" xmlns="" Requires="p14">
       <p:transition p14:dur="0"/>
     </mc:Choice>
-    <mc:Fallback xmlns="">
+    <mc:Fallback>
       <p:transition/>
     </mc:Fallback>
   </mc:AlternateContent>
@@ -1929,7 +1929,7 @@
             <a:fld id="{9CEFAD04-0E20-4919-AC81-0484DA486390}" type="datetimeFigureOut">
               <a:rPr lang="en-US" smtClean="0"/>
               <a:pPr/>
-              <a:t>5/1/2013</a:t>
+              <a:t>5/2/2013</a:t>
             </a:fld>
             <a:endParaRPr lang="en-US" dirty="0"/>
           </a:p>
@@ -1988,11 +1988,11 @@
   <p:clrMapOvr>
     <a:masterClrMapping/>
   </p:clrMapOvr>
-  <mc:AlternateContent xmlns:mc="http://schemas.openxmlformats.org/markup-compatibility/2006" xmlns:p14="http://schemas.microsoft.com/office/powerpoint/2010/main">
-    <mc:Choice Requires="p14">
+  <mc:AlternateContent xmlns:mc="http://schemas.openxmlformats.org/markup-compatibility/2006">
+    <mc:Choice xmlns:p14="http://schemas.microsoft.com/office/powerpoint/2010/main" xmlns="" Requires="p14">
       <p:transition p14:dur="0"/>
     </mc:Choice>
-    <mc:Fallback xmlns="">
+    <mc:Fallback>
       <p:transition/>
     </mc:Fallback>
   </mc:AlternateContent>
@@ -2046,7 +2046,7 @@
             <a:fld id="{9CEFAD04-0E20-4919-AC81-0484DA486390}" type="datetimeFigureOut">
               <a:rPr lang="en-US" smtClean="0"/>
               <a:pPr/>
-              <a:t>5/1/2013</a:t>
+              <a:t>5/2/2013</a:t>
             </a:fld>
             <a:endParaRPr lang="en-US" dirty="0"/>
           </a:p>
@@ -2123,11 +2123,11 @@
   <p:clrMapOvr>
     <a:masterClrMapping/>
   </p:clrMapOvr>
-  <mc:AlternateContent xmlns:mc="http://schemas.openxmlformats.org/markup-compatibility/2006" xmlns:p14="http://schemas.microsoft.com/office/powerpoint/2010/main">
-    <mc:Choice Requires="p14">
+  <mc:AlternateContent xmlns:mc="http://schemas.openxmlformats.org/markup-compatibility/2006">
+    <mc:Choice xmlns:p14="http://schemas.microsoft.com/office/powerpoint/2010/main" xmlns="" Requires="p14">
       <p:transition p14:dur="0"/>
     </mc:Choice>
-    <mc:Fallback xmlns="">
+    <mc:Fallback>
       <p:transition/>
     </mc:Fallback>
   </mc:AlternateContent>
@@ -2176,7 +2176,7 @@
             <a:fld id="{9CEFAD04-0E20-4919-AC81-0484DA486390}" type="datetimeFigureOut">
               <a:rPr lang="en-US" smtClean="0"/>
               <a:pPr/>
-              <a:t>5/1/2013</a:t>
+              <a:t>5/2/2013</a:t>
             </a:fld>
             <a:endParaRPr lang="en-US" dirty="0"/>
           </a:p>
@@ -2230,11 +2230,11 @@
   <p:clrMapOvr>
     <a:masterClrMapping/>
   </p:clrMapOvr>
-  <mc:AlternateContent xmlns:mc="http://schemas.openxmlformats.org/markup-compatibility/2006" xmlns:p14="http://schemas.microsoft.com/office/powerpoint/2010/main">
-    <mc:Choice Requires="p14">
+  <mc:AlternateContent xmlns:mc="http://schemas.openxmlformats.org/markup-compatibility/2006">
+    <mc:Choice xmlns:p14="http://schemas.microsoft.com/office/powerpoint/2010/main" xmlns="" Requires="p14">
       <p:transition p14:dur="0"/>
     </mc:Choice>
-    <mc:Fallback xmlns="">
+    <mc:Fallback>
       <p:transition/>
     </mc:Fallback>
   </mc:AlternateContent>
@@ -2471,7 +2471,7 @@
             <a:fld id="{9CEFAD04-0E20-4919-AC81-0484DA486390}" type="datetimeFigureOut">
               <a:rPr lang="en-US" smtClean="0"/>
               <a:pPr/>
-              <a:t>5/1/2013</a:t>
+              <a:t>5/2/2013</a:t>
             </a:fld>
             <a:endParaRPr lang="en-US" dirty="0"/>
           </a:p>
@@ -2530,11 +2530,11 @@
   <p:clrMapOvr>
     <a:masterClrMapping/>
   </p:clrMapOvr>
-  <mc:AlternateContent xmlns:mc="http://schemas.openxmlformats.org/markup-compatibility/2006" xmlns:p14="http://schemas.microsoft.com/office/powerpoint/2010/main">
-    <mc:Choice Requires="p14">
+  <mc:AlternateContent xmlns:mc="http://schemas.openxmlformats.org/markup-compatibility/2006">
+    <mc:Choice xmlns:p14="http://schemas.microsoft.com/office/powerpoint/2010/main" xmlns="" Requires="p14">
       <p:transition p14:dur="0"/>
     </mc:Choice>
-    <mc:Fallback xmlns="">
+    <mc:Fallback>
       <p:transition/>
     </mc:Fallback>
   </mc:AlternateContent>
@@ -2752,7 +2752,7 @@
             <a:fld id="{9CEFAD04-0E20-4919-AC81-0484DA486390}" type="datetimeFigureOut">
               <a:rPr lang="en-US" smtClean="0"/>
               <a:pPr/>
-              <a:t>5/1/2013</a:t>
+              <a:t>5/2/2013</a:t>
             </a:fld>
             <a:endParaRPr lang="en-US" dirty="0"/>
           </a:p>
@@ -2811,11 +2811,11 @@
   <p:clrMapOvr>
     <a:masterClrMapping/>
   </p:clrMapOvr>
-  <mc:AlternateContent xmlns:mc="http://schemas.openxmlformats.org/markup-compatibility/2006" xmlns:p14="http://schemas.microsoft.com/office/powerpoint/2010/main">
-    <mc:Choice Requires="p14">
+  <mc:AlternateContent xmlns:mc="http://schemas.openxmlformats.org/markup-compatibility/2006">
+    <mc:Choice xmlns:p14="http://schemas.microsoft.com/office/powerpoint/2010/main" xmlns="" Requires="p14">
       <p:transition p14:dur="0"/>
     </mc:Choice>
-    <mc:Fallback xmlns="">
+    <mc:Fallback>
       <p:transition/>
     </mc:Fallback>
   </mc:AlternateContent>
@@ -2982,7 +2982,7 @@
             <a:fld id="{9CEFAD04-0E20-4919-AC81-0484DA486390}" type="datetimeFigureOut">
               <a:rPr lang="en-US" smtClean="0"/>
               <a:pPr/>
-              <a:t>5/1/2013</a:t>
+              <a:t>5/2/2013</a:t>
             </a:fld>
             <a:endParaRPr lang="en-US" dirty="0"/>
           </a:p>
@@ -3081,11 +3081,11 @@
     <p:sldLayoutId id="2147483670" r:id="rId10"/>
     <p:sldLayoutId id="2147483671" r:id="rId11"/>
   </p:sldLayoutIdLst>
-  <mc:AlternateContent xmlns:mc="http://schemas.openxmlformats.org/markup-compatibility/2006" xmlns:p14="http://schemas.microsoft.com/office/powerpoint/2010/main">
-    <mc:Choice Requires="p14">
+  <mc:AlternateContent xmlns:mc="http://schemas.openxmlformats.org/markup-compatibility/2006">
+    <mc:Choice xmlns:p14="http://schemas.microsoft.com/office/powerpoint/2010/main" xmlns="" Requires="p14">
       <p:transition p14:dur="0"/>
     </mc:Choice>
-    <mc:Fallback xmlns="">
+    <mc:Fallback>
       <p:transition/>
     </mc:Fallback>
   </mc:AlternateContent>
@@ -3666,47 +3666,7 @@
                   </a:outerShdw>
                 </a:effectLst>
               </a:rPr>
-              <a:t>2 </a:t>
-            </a:r>
-            <a:r>
-              <a:rPr lang="en-US" sz="3200" b="1" dirty="0" smtClean="0">
-                <a:ln w="17780" cmpd="sng">
-                  <a:noFill/>
-                  <a:prstDash val="solid"/>
-                  <a:miter lim="800000"/>
-                </a:ln>
-                <a:solidFill>
-                  <a:schemeClr val="tx1"/>
-                </a:solidFill>
-                <a:effectLst>
-                  <a:outerShdw blurRad="38100" dist="38100" dir="2700000" algn="tl">
-                    <a:srgbClr val="000000">
-                      <a:alpha val="43137"/>
-                    </a:srgbClr>
-                  </a:outerShdw>
-                </a:effectLst>
-              </a:rPr>
-              <a:t>- The </a:t>
-            </a:r>
-            <a:r>
-              <a:rPr lang="en-US" sz="3200" b="1" dirty="0" smtClean="0">
-                <a:ln w="17780" cmpd="sng">
-                  <a:noFill/>
-                  <a:prstDash val="solid"/>
-                  <a:miter lim="800000"/>
-                </a:ln>
-                <a:solidFill>
-                  <a:schemeClr val="tx1"/>
-                </a:solidFill>
-                <a:effectLst>
-                  <a:outerShdw blurRad="38100" dist="38100" dir="2700000" algn="tl">
-                    <a:srgbClr val="000000">
-                      <a:alpha val="43137"/>
-                    </a:srgbClr>
-                  </a:outerShdw>
-                </a:effectLst>
-              </a:rPr>
-              <a:t>Lab</a:t>
+              <a:t>2 - The Lab</a:t>
             </a:r>
             <a:endParaRPr lang="en-US" sz="3200" b="1" dirty="0">
               <a:ln w="17780" cmpd="sng">
@@ -3731,18 +3691,18 @@
     </p:spTree>
     <p:extLst>
       <p:ext uri="{BB962C8B-B14F-4D97-AF65-F5344CB8AC3E}">
-        <p14:creationId xmlns:p14="http://schemas.microsoft.com/office/powerpoint/2010/main" val="2632168429"/>
+        <p14:creationId xmlns:p14="http://schemas.microsoft.com/office/powerpoint/2010/main" xmlns="" val="2632168429"/>
       </p:ext>
     </p:extLst>
   </p:cSld>
   <p:clrMapOvr>
     <a:masterClrMapping/>
   </p:clrMapOvr>
-  <mc:AlternateContent xmlns:mc="http://schemas.openxmlformats.org/markup-compatibility/2006" xmlns:p14="http://schemas.microsoft.com/office/powerpoint/2010/main">
-    <mc:Choice Requires="p14">
+  <mc:AlternateContent xmlns:mc="http://schemas.openxmlformats.org/markup-compatibility/2006">
+    <mc:Choice xmlns:p14="http://schemas.microsoft.com/office/powerpoint/2010/main" xmlns="" Requires="p14">
       <p:transition p14:dur="0"/>
     </mc:Choice>
-    <mc:Fallback xmlns="">
+    <mc:Fallback>
       <p:transition/>
     </mc:Fallback>
   </mc:AlternateContent>
@@ -3782,7 +3742,7 @@
           <p:nvPr/>
         </p:nvPicPr>
         <p:blipFill>
-          <a:blip r:embed="rId2"/>
+          <a:blip r:embed="rId2" cstate="print"/>
           <a:stretch>
             <a:fillRect/>
           </a:stretch>
@@ -3987,7 +3947,7 @@
     </p:spTree>
     <p:extLst>
       <p:ext uri="{BB962C8B-B14F-4D97-AF65-F5344CB8AC3E}">
-        <p14:creationId xmlns:p14="http://schemas.microsoft.com/office/powerpoint/2010/main" val="2285132395"/>
+        <p14:creationId xmlns:p14="http://schemas.microsoft.com/office/powerpoint/2010/main" xmlns="" val="2285132395"/>
       </p:ext>
     </p:extLst>
   </p:cSld>
@@ -3995,7 +3955,7 @@
     <a:masterClrMapping/>
   </p:clrMapOvr>
   <mc:AlternateContent xmlns:mc="http://schemas.openxmlformats.org/markup-compatibility/2006">
-    <mc:Choice xmlns:p14="http://schemas.microsoft.com/office/powerpoint/2010/main" Requires="p14">
+    <mc:Choice xmlns:p14="http://schemas.microsoft.com/office/powerpoint/2010/main" xmlns="" Requires="p14">
       <p:transition p14:dur="0"/>
     </mc:Choice>
     <mc:Fallback>
@@ -4031,7 +3991,7 @@
           <p:nvPr/>
         </p:nvPicPr>
         <p:blipFill>
-          <a:blip r:embed="rId2"/>
+          <a:blip r:embed="rId2" cstate="print"/>
           <a:stretch>
             <a:fillRect/>
           </a:stretch>
@@ -4095,10 +4055,47 @@
           </a:p>
         </p:txBody>
       </p:sp>
+      <p:sp>
+        <p:nvSpPr>
+          <p:cNvPr id="6" name="Rectangle 5"/>
+          <p:cNvSpPr/>
+          <p:nvPr/>
+        </p:nvSpPr>
+        <p:spPr>
+          <a:xfrm>
+            <a:off x="1676400" y="3886200"/>
+            <a:ext cx="5931432" cy="523220"/>
+          </a:xfrm>
+          <a:prstGeom prst="rect">
+            <a:avLst/>
+          </a:prstGeom>
+        </p:spPr>
+        <p:txBody>
+          <a:bodyPr wrap="none">
+            <a:spAutoFit/>
+          </a:bodyPr>
+          <a:lstStyle/>
+          <a:p>
+            <a:r>
+              <a:rPr lang="en-US" sz="2800" b="1" dirty="0" smtClean="0">
+                <a:solidFill>
+                  <a:schemeClr val="bg1"/>
+                </a:solidFill>
+              </a:rPr>
+              <a:t>HTTP://www.CloudHomeSecurity.com</a:t>
+            </a:r>
+            <a:endParaRPr lang="en-US" sz="2800" b="1" dirty="0">
+              <a:solidFill>
+                <a:schemeClr val="bg1"/>
+              </a:solidFill>
+            </a:endParaRPr>
+          </a:p>
+        </p:txBody>
+      </p:sp>
     </p:spTree>
     <p:extLst>
       <p:ext uri="{BB962C8B-B14F-4D97-AF65-F5344CB8AC3E}">
-        <p14:creationId xmlns:p14="http://schemas.microsoft.com/office/powerpoint/2010/main" val="1453097593"/>
+        <p14:creationId xmlns:p14="http://schemas.microsoft.com/office/powerpoint/2010/main" xmlns="" val="1453097593"/>
       </p:ext>
     </p:extLst>
   </p:cSld>
@@ -4106,7 +4103,7 @@
     <a:masterClrMapping/>
   </p:clrMapOvr>
   <mc:AlternateContent xmlns:mc="http://schemas.openxmlformats.org/markup-compatibility/2006">
-    <mc:Choice xmlns:p14="http://schemas.microsoft.com/office/powerpoint/2010/main" Requires="p14">
+    <mc:Choice xmlns:p14="http://schemas.microsoft.com/office/powerpoint/2010/main" xmlns="" Requires="p14">
       <p:transition p14:dur="0"/>
     </mc:Choice>
     <mc:Fallback>
@@ -4142,7 +4139,7 @@
           <p:nvPr/>
         </p:nvPicPr>
         <p:blipFill>
-          <a:blip r:embed="rId2"/>
+          <a:blip r:embed="rId2" cstate="print"/>
           <a:stretch>
             <a:fillRect/>
           </a:stretch>
@@ -4215,7 +4212,7 @@
           <p:nvPr/>
         </p:nvPicPr>
         <p:blipFill>
-          <a:blip r:embed="rId3"/>
+          <a:blip r:embed="rId3" cstate="print"/>
           <a:stretch>
             <a:fillRect/>
           </a:stretch>
@@ -4335,7 +4332,7 @@
     </p:spTree>
     <p:extLst>
       <p:ext uri="{BB962C8B-B14F-4D97-AF65-F5344CB8AC3E}">
-        <p14:creationId xmlns:p14="http://schemas.microsoft.com/office/powerpoint/2010/main" val="1666145912"/>
+        <p14:creationId xmlns:p14="http://schemas.microsoft.com/office/powerpoint/2010/main" xmlns="" val="1666145912"/>
       </p:ext>
     </p:extLst>
   </p:cSld>
@@ -4343,13 +4340,20 @@
     <a:masterClrMapping/>
   </p:clrMapOvr>
   <mc:AlternateContent xmlns:mc="http://schemas.openxmlformats.org/markup-compatibility/2006">
-    <mc:Choice xmlns:p14="http://schemas.microsoft.com/office/powerpoint/2010/main" Requires="p14">
+    <mc:Choice xmlns:p14="http://schemas.microsoft.com/office/powerpoint/2010/main" xmlns="" Requires="p14">
       <p:transition p14:dur="0"/>
     </mc:Choice>
     <mc:Fallback>
       <p:transition/>
     </mc:Fallback>
   </mc:AlternateContent>
+  <p:timing>
+    <p:tnLst>
+      <p:par>
+        <p:cTn id="1" dur="indefinite" restart="never" nodeType="tmRoot"/>
+      </p:par>
+    </p:tnLst>
+  </p:timing>
 </p:sld>
 </file>
 
@@ -4428,7 +4432,7 @@
           <a:blip r:embed="rId2" cstate="print">
             <a:extLst>
               <a:ext uri="{28A0092B-C50C-407E-A947-70E740481C1C}">
-                <a14:useLocalDpi xmlns:a14="http://schemas.microsoft.com/office/drawing/2010/main" val="0"/>
+                <a14:useLocalDpi xmlns:a14="http://schemas.microsoft.com/office/drawing/2010/main" xmlns="" val="0"/>
               </a:ext>
             </a:extLst>
           </a:blip>
@@ -4484,7 +4488,7 @@
           <a:blip r:embed="rId3" cstate="print">
             <a:extLst>
               <a:ext uri="{28A0092B-C50C-407E-A947-70E740481C1C}">
-                <a14:useLocalDpi xmlns:a14="http://schemas.microsoft.com/office/drawing/2010/main" val="0"/>
+                <a14:useLocalDpi xmlns:a14="http://schemas.microsoft.com/office/drawing/2010/main" xmlns="" val="0"/>
               </a:ext>
             </a:extLst>
           </a:blip>
@@ -4535,10 +4539,10 @@
           <p:nvPr/>
         </p:nvPicPr>
         <p:blipFill>
-          <a:blip r:embed="rId4">
+          <a:blip r:embed="rId4" cstate="print">
             <a:extLst>
               <a:ext uri="{28A0092B-C50C-407E-A947-70E740481C1C}">
-                <a14:useLocalDpi xmlns:a14="http://schemas.microsoft.com/office/drawing/2010/main" val="0"/>
+                <a14:useLocalDpi xmlns:a14="http://schemas.microsoft.com/office/drawing/2010/main" xmlns="" val="0"/>
               </a:ext>
             </a:extLst>
           </a:blip>
@@ -4582,7 +4586,7 @@
           </a:sp3d>
           <a:extLst>
             <a:ext uri="{909E8E84-426E-40DD-AFC4-6F175D3DCCD1}">
-              <a14:hiddenFill xmlns:a14="http://schemas.microsoft.com/office/drawing/2010/main">
+              <a14:hiddenFill xmlns:a14="http://schemas.microsoft.com/office/drawing/2010/main" xmlns="">
                 <a:solidFill>
                   <a:srgbClr val="FFFFFF"/>
                 </a:solidFill>
@@ -4594,18 +4598,18 @@
     </p:spTree>
     <p:extLst>
       <p:ext uri="{BB962C8B-B14F-4D97-AF65-F5344CB8AC3E}">
-        <p14:creationId xmlns:p14="http://schemas.microsoft.com/office/powerpoint/2010/main" val="4157614830"/>
+        <p14:creationId xmlns:p14="http://schemas.microsoft.com/office/powerpoint/2010/main" xmlns="" val="4157614830"/>
       </p:ext>
     </p:extLst>
   </p:cSld>
   <p:clrMapOvr>
     <a:masterClrMapping/>
   </p:clrMapOvr>
-  <mc:AlternateContent xmlns:mc="http://schemas.openxmlformats.org/markup-compatibility/2006" xmlns:p14="http://schemas.microsoft.com/office/powerpoint/2010/main">
-    <mc:Choice Requires="p14">
+  <mc:AlternateContent xmlns:mc="http://schemas.openxmlformats.org/markup-compatibility/2006">
+    <mc:Choice xmlns:p14="http://schemas.microsoft.com/office/powerpoint/2010/main" xmlns="" Requires="p14">
       <p:transition p14:dur="0"/>
     </mc:Choice>
-    <mc:Fallback xmlns="">
+    <mc:Fallback>
       <p:transition/>
     </mc:Fallback>
   </mc:AlternateContent>
@@ -4700,7 +4704,7 @@
             </a:duotone>
             <a:extLst>
               <a:ext uri="{28A0092B-C50C-407E-A947-70E740481C1C}">
-                <a14:useLocalDpi xmlns:a14="http://schemas.microsoft.com/office/drawing/2010/main" val="0"/>
+                <a14:useLocalDpi xmlns:a14="http://schemas.microsoft.com/office/drawing/2010/main" xmlns="" val="0"/>
               </a:ext>
             </a:extLst>
           </a:blip>
@@ -4718,7 +4722,7 @@
           <a:noFill/>
           <a:extLst>
             <a:ext uri="{909E8E84-426E-40DD-AFC4-6F175D3DCCD1}">
-              <a14:hiddenFill xmlns:a14="http://schemas.microsoft.com/office/drawing/2010/main">
+              <a14:hiddenFill xmlns:a14="http://schemas.microsoft.com/office/drawing/2010/main" xmlns="">
                 <a:solidFill>
                   <a:srgbClr val="FFFFFF"/>
                 </a:solidFill>
@@ -4736,7 +4740,7 @@
           <p:nvPr>
             <p:extLst>
               <p:ext uri="{D42A27DB-BD31-4B8C-83A1-F6EECF244321}">
-                <p14:modId xmlns:p14="http://schemas.microsoft.com/office/powerpoint/2010/main" val="2796356891"/>
+                <p14:modId xmlns:p14="http://schemas.microsoft.com/office/powerpoint/2010/main" xmlns="" val="2796356891"/>
               </p:ext>
             </p:extLst>
           </p:nvPr>
@@ -5528,7 +5532,7 @@
               <a:blip r:embed="rId3" cstate="print">
                 <a:extLst>
                   <a:ext uri="{28A0092B-C50C-407E-A947-70E740481C1C}">
-                    <a14:useLocalDpi xmlns:a14="http://schemas.microsoft.com/office/drawing/2010/main" val="0"/>
+                    <a14:useLocalDpi xmlns:a14="http://schemas.microsoft.com/office/drawing/2010/main" xmlns="" val="0"/>
                   </a:ext>
                 </a:extLst>
               </a:blip>
@@ -5546,7 +5550,7 @@
               <a:noFill/>
               <a:extLst>
                 <a:ext uri="{909E8E84-426E-40DD-AFC4-6F175D3DCCD1}">
-                  <a14:hiddenFill xmlns:a14="http://schemas.microsoft.com/office/drawing/2010/main">
+                  <a14:hiddenFill xmlns:a14="http://schemas.microsoft.com/office/drawing/2010/main" xmlns="">
                     <a:solidFill>
                       <a:srgbClr val="FFFFFF"/>
                     </a:solidFill>
@@ -5574,7 +5578,7 @@
                 </a:duotone>
                 <a:extLst>
                   <a:ext uri="{28A0092B-C50C-407E-A947-70E740481C1C}">
-                    <a14:useLocalDpi xmlns:a14="http://schemas.microsoft.com/office/drawing/2010/main" val="0"/>
+                    <a14:useLocalDpi xmlns:a14="http://schemas.microsoft.com/office/drawing/2010/main" xmlns="" val="0"/>
                   </a:ext>
                 </a:extLst>
               </a:blip>
@@ -5592,7 +5596,7 @@
               <a:noFill/>
               <a:extLst>
                 <a:ext uri="{909E8E84-426E-40DD-AFC4-6F175D3DCCD1}">
-                  <a14:hiddenFill xmlns:a14="http://schemas.microsoft.com/office/drawing/2010/main">
+                  <a14:hiddenFill xmlns:a14="http://schemas.microsoft.com/office/drawing/2010/main" xmlns="">
                     <a:solidFill>
                       <a:srgbClr val="FFFFFF"/>
                     </a:solidFill>
@@ -5620,7 +5624,7 @@
                 </a:duotone>
                 <a:extLst>
                   <a:ext uri="{28A0092B-C50C-407E-A947-70E740481C1C}">
-                    <a14:useLocalDpi xmlns:a14="http://schemas.microsoft.com/office/drawing/2010/main" val="0"/>
+                    <a14:useLocalDpi xmlns:a14="http://schemas.microsoft.com/office/drawing/2010/main" xmlns="" val="0"/>
                   </a:ext>
                 </a:extLst>
               </a:blip>
@@ -5638,7 +5642,7 @@
               <a:noFill/>
               <a:extLst>
                 <a:ext uri="{909E8E84-426E-40DD-AFC4-6F175D3DCCD1}">
-                  <a14:hiddenFill xmlns:a14="http://schemas.microsoft.com/office/drawing/2010/main">
+                  <a14:hiddenFill xmlns:a14="http://schemas.microsoft.com/office/drawing/2010/main" xmlns="">
                     <a:solidFill>
                       <a:srgbClr val="FFFFFF"/>
                     </a:solidFill>
@@ -5659,7 +5663,7 @@
               <a:blip r:embed="rId4" cstate="print">
                 <a:extLst>
                   <a:ext uri="{28A0092B-C50C-407E-A947-70E740481C1C}">
-                    <a14:useLocalDpi xmlns:a14="http://schemas.microsoft.com/office/drawing/2010/main" val="0"/>
+                    <a14:useLocalDpi xmlns:a14="http://schemas.microsoft.com/office/drawing/2010/main" xmlns="" val="0"/>
                   </a:ext>
                 </a:extLst>
               </a:blip>
@@ -5677,7 +5681,7 @@
               <a:noFill/>
               <a:extLst>
                 <a:ext uri="{909E8E84-426E-40DD-AFC4-6F175D3DCCD1}">
-                  <a14:hiddenFill xmlns:a14="http://schemas.microsoft.com/office/drawing/2010/main">
+                  <a14:hiddenFill xmlns:a14="http://schemas.microsoft.com/office/drawing/2010/main" xmlns="">
                     <a:solidFill>
                       <a:srgbClr val="FFFFFF"/>
                     </a:solidFill>
@@ -5698,7 +5702,7 @@
               <a:blip r:embed="rId4" cstate="print">
                 <a:extLst>
                   <a:ext uri="{28A0092B-C50C-407E-A947-70E740481C1C}">
-                    <a14:useLocalDpi xmlns:a14="http://schemas.microsoft.com/office/drawing/2010/main" val="0"/>
+                    <a14:useLocalDpi xmlns:a14="http://schemas.microsoft.com/office/drawing/2010/main" xmlns="" val="0"/>
                   </a:ext>
                 </a:extLst>
               </a:blip>
@@ -5716,7 +5720,7 @@
               <a:noFill/>
               <a:extLst>
                 <a:ext uri="{909E8E84-426E-40DD-AFC4-6F175D3DCCD1}">
-                  <a14:hiddenFill xmlns:a14="http://schemas.microsoft.com/office/drawing/2010/main">
+                  <a14:hiddenFill xmlns:a14="http://schemas.microsoft.com/office/drawing/2010/main" xmlns="">
                     <a:solidFill>
                       <a:srgbClr val="FFFFFF"/>
                     </a:solidFill>
@@ -5752,7 +5756,7 @@
               <a:blip r:embed="rId5" cstate="print">
                 <a:extLst>
                   <a:ext uri="{28A0092B-C50C-407E-A947-70E740481C1C}">
-                    <a14:useLocalDpi xmlns:a14="http://schemas.microsoft.com/office/drawing/2010/main" val="0"/>
+                    <a14:useLocalDpi xmlns:a14="http://schemas.microsoft.com/office/drawing/2010/main" xmlns="" val="0"/>
                   </a:ext>
                 </a:extLst>
               </a:blip>
@@ -5770,7 +5774,7 @@
               <a:noFill/>
               <a:extLst>
                 <a:ext uri="{909E8E84-426E-40DD-AFC4-6F175D3DCCD1}">
-                  <a14:hiddenFill xmlns:a14="http://schemas.microsoft.com/office/drawing/2010/main">
+                  <a14:hiddenFill xmlns:a14="http://schemas.microsoft.com/office/drawing/2010/main" xmlns="">
                     <a:solidFill>
                       <a:srgbClr val="FFFFFF"/>
                     </a:solidFill>
@@ -5791,7 +5795,7 @@
               <a:blip r:embed="rId5" cstate="print">
                 <a:extLst>
                   <a:ext uri="{28A0092B-C50C-407E-A947-70E740481C1C}">
-                    <a14:useLocalDpi xmlns:a14="http://schemas.microsoft.com/office/drawing/2010/main" val="0"/>
+                    <a14:useLocalDpi xmlns:a14="http://schemas.microsoft.com/office/drawing/2010/main" xmlns="" val="0"/>
                   </a:ext>
                 </a:extLst>
               </a:blip>
@@ -5809,7 +5813,7 @@
               <a:noFill/>
               <a:extLst>
                 <a:ext uri="{909E8E84-426E-40DD-AFC4-6F175D3DCCD1}">
-                  <a14:hiddenFill xmlns:a14="http://schemas.microsoft.com/office/drawing/2010/main">
+                  <a14:hiddenFill xmlns:a14="http://schemas.microsoft.com/office/drawing/2010/main" xmlns="">
                     <a:solidFill>
                       <a:srgbClr val="FFFFFF"/>
                     </a:solidFill>
@@ -5830,7 +5834,7 @@
               <a:blip r:embed="rId5" cstate="print">
                 <a:extLst>
                   <a:ext uri="{28A0092B-C50C-407E-A947-70E740481C1C}">
-                    <a14:useLocalDpi xmlns:a14="http://schemas.microsoft.com/office/drawing/2010/main" val="0"/>
+                    <a14:useLocalDpi xmlns:a14="http://schemas.microsoft.com/office/drawing/2010/main" xmlns="" val="0"/>
                   </a:ext>
                 </a:extLst>
               </a:blip>
@@ -5848,7 +5852,7 @@
               <a:noFill/>
               <a:extLst>
                 <a:ext uri="{909E8E84-426E-40DD-AFC4-6F175D3DCCD1}">
-                  <a14:hiddenFill xmlns:a14="http://schemas.microsoft.com/office/drawing/2010/main">
+                  <a14:hiddenFill xmlns:a14="http://schemas.microsoft.com/office/drawing/2010/main" xmlns="">
                     <a:solidFill>
                       <a:srgbClr val="FFFFFF"/>
                     </a:solidFill>
@@ -5884,7 +5888,7 @@
               <a:blip r:embed="rId6" cstate="print">
                 <a:extLst>
                   <a:ext uri="{28A0092B-C50C-407E-A947-70E740481C1C}">
-                    <a14:useLocalDpi xmlns:a14="http://schemas.microsoft.com/office/drawing/2010/main" val="0"/>
+                    <a14:useLocalDpi xmlns:a14="http://schemas.microsoft.com/office/drawing/2010/main" xmlns="" val="0"/>
                   </a:ext>
                 </a:extLst>
               </a:blip>
@@ -5902,7 +5906,7 @@
               <a:noFill/>
               <a:extLst>
                 <a:ext uri="{909E8E84-426E-40DD-AFC4-6F175D3DCCD1}">
-                  <a14:hiddenFill xmlns:a14="http://schemas.microsoft.com/office/drawing/2010/main">
+                  <a14:hiddenFill xmlns:a14="http://schemas.microsoft.com/office/drawing/2010/main" xmlns="">
                     <a:solidFill>
                       <a:srgbClr val="FFFFFF"/>
                     </a:solidFill>
@@ -5923,7 +5927,7 @@
               <a:blip r:embed="rId6" cstate="print">
                 <a:extLst>
                   <a:ext uri="{28A0092B-C50C-407E-A947-70E740481C1C}">
-                    <a14:useLocalDpi xmlns:a14="http://schemas.microsoft.com/office/drawing/2010/main" val="0"/>
+                    <a14:useLocalDpi xmlns:a14="http://schemas.microsoft.com/office/drawing/2010/main" xmlns="" val="0"/>
                   </a:ext>
                 </a:extLst>
               </a:blip>
@@ -5941,7 +5945,7 @@
               <a:noFill/>
               <a:extLst>
                 <a:ext uri="{909E8E84-426E-40DD-AFC4-6F175D3DCCD1}">
-                  <a14:hiddenFill xmlns:a14="http://schemas.microsoft.com/office/drawing/2010/main">
+                  <a14:hiddenFill xmlns:a14="http://schemas.microsoft.com/office/drawing/2010/main" xmlns="">
                     <a:solidFill>
                       <a:srgbClr val="FFFFFF"/>
                     </a:solidFill>
@@ -5962,7 +5966,7 @@
               <a:blip r:embed="rId6" cstate="print">
                 <a:extLst>
                   <a:ext uri="{28A0092B-C50C-407E-A947-70E740481C1C}">
-                    <a14:useLocalDpi xmlns:a14="http://schemas.microsoft.com/office/drawing/2010/main" val="0"/>
+                    <a14:useLocalDpi xmlns:a14="http://schemas.microsoft.com/office/drawing/2010/main" xmlns="" val="0"/>
                   </a:ext>
                 </a:extLst>
               </a:blip>
@@ -5980,7 +5984,7 @@
               <a:noFill/>
               <a:extLst>
                 <a:ext uri="{909E8E84-426E-40DD-AFC4-6F175D3DCCD1}">
-                  <a14:hiddenFill xmlns:a14="http://schemas.microsoft.com/office/drawing/2010/main">
+                  <a14:hiddenFill xmlns:a14="http://schemas.microsoft.com/office/drawing/2010/main" xmlns="">
                     <a:solidFill>
                       <a:srgbClr val="FFFFFF"/>
                     </a:solidFill>
@@ -6001,7 +6005,7 @@
               <a:blip r:embed="rId6" cstate="print">
                 <a:extLst>
                   <a:ext uri="{28A0092B-C50C-407E-A947-70E740481C1C}">
-                    <a14:useLocalDpi xmlns:a14="http://schemas.microsoft.com/office/drawing/2010/main" val="0"/>
+                    <a14:useLocalDpi xmlns:a14="http://schemas.microsoft.com/office/drawing/2010/main" xmlns="" val="0"/>
                   </a:ext>
                 </a:extLst>
               </a:blip>
@@ -6019,7 +6023,7 @@
               <a:noFill/>
               <a:extLst>
                 <a:ext uri="{909E8E84-426E-40DD-AFC4-6F175D3DCCD1}">
-                  <a14:hiddenFill xmlns:a14="http://schemas.microsoft.com/office/drawing/2010/main">
+                  <a14:hiddenFill xmlns:a14="http://schemas.microsoft.com/office/drawing/2010/main" xmlns="">
                     <a:solidFill>
                       <a:srgbClr val="FFFFFF"/>
                     </a:solidFill>
@@ -6055,7 +6059,7 @@
               <a:blip r:embed="rId7" cstate="print">
                 <a:extLst>
                   <a:ext uri="{28A0092B-C50C-407E-A947-70E740481C1C}">
-                    <a14:useLocalDpi xmlns:a14="http://schemas.microsoft.com/office/drawing/2010/main" val="0"/>
+                    <a14:useLocalDpi xmlns:a14="http://schemas.microsoft.com/office/drawing/2010/main" xmlns="" val="0"/>
                   </a:ext>
                 </a:extLst>
               </a:blip>
@@ -6073,7 +6077,7 @@
               <a:noFill/>
               <a:extLst>
                 <a:ext uri="{909E8E84-426E-40DD-AFC4-6F175D3DCCD1}">
-                  <a14:hiddenFill xmlns:a14="http://schemas.microsoft.com/office/drawing/2010/main">
+                  <a14:hiddenFill xmlns:a14="http://schemas.microsoft.com/office/drawing/2010/main" xmlns="">
                     <a:solidFill>
                       <a:srgbClr val="FFFFFF"/>
                     </a:solidFill>
@@ -6094,7 +6098,7 @@
               <a:blip r:embed="rId7" cstate="print">
                 <a:extLst>
                   <a:ext uri="{28A0092B-C50C-407E-A947-70E740481C1C}">
-                    <a14:useLocalDpi xmlns:a14="http://schemas.microsoft.com/office/drawing/2010/main" val="0"/>
+                    <a14:useLocalDpi xmlns:a14="http://schemas.microsoft.com/office/drawing/2010/main" xmlns="" val="0"/>
                   </a:ext>
                 </a:extLst>
               </a:blip>
@@ -6112,7 +6116,7 @@
               <a:noFill/>
               <a:extLst>
                 <a:ext uri="{909E8E84-426E-40DD-AFC4-6F175D3DCCD1}">
-                  <a14:hiddenFill xmlns:a14="http://schemas.microsoft.com/office/drawing/2010/main">
+                  <a14:hiddenFill xmlns:a14="http://schemas.microsoft.com/office/drawing/2010/main" xmlns="">
                     <a:solidFill>
                       <a:srgbClr val="FFFFFF"/>
                     </a:solidFill>
@@ -6133,7 +6137,7 @@
               <a:blip r:embed="rId7" cstate="print">
                 <a:extLst>
                   <a:ext uri="{28A0092B-C50C-407E-A947-70E740481C1C}">
-                    <a14:useLocalDpi xmlns:a14="http://schemas.microsoft.com/office/drawing/2010/main" val="0"/>
+                    <a14:useLocalDpi xmlns:a14="http://schemas.microsoft.com/office/drawing/2010/main" xmlns="" val="0"/>
                   </a:ext>
                 </a:extLst>
               </a:blip>
@@ -6151,7 +6155,7 @@
               <a:noFill/>
               <a:extLst>
                 <a:ext uri="{909E8E84-426E-40DD-AFC4-6F175D3DCCD1}">
-                  <a14:hiddenFill xmlns:a14="http://schemas.microsoft.com/office/drawing/2010/main">
+                  <a14:hiddenFill xmlns:a14="http://schemas.microsoft.com/office/drawing/2010/main" xmlns="">
                     <a:solidFill>
                       <a:srgbClr val="FFFFFF"/>
                     </a:solidFill>
@@ -6172,7 +6176,7 @@
               <a:blip r:embed="rId7" cstate="print">
                 <a:extLst>
                   <a:ext uri="{28A0092B-C50C-407E-A947-70E740481C1C}">
-                    <a14:useLocalDpi xmlns:a14="http://schemas.microsoft.com/office/drawing/2010/main" val="0"/>
+                    <a14:useLocalDpi xmlns:a14="http://schemas.microsoft.com/office/drawing/2010/main" xmlns="" val="0"/>
                   </a:ext>
                 </a:extLst>
               </a:blip>
@@ -6190,7 +6194,7 @@
               <a:noFill/>
               <a:extLst>
                 <a:ext uri="{909E8E84-426E-40DD-AFC4-6F175D3DCCD1}">
-                  <a14:hiddenFill xmlns:a14="http://schemas.microsoft.com/office/drawing/2010/main">
+                  <a14:hiddenFill xmlns:a14="http://schemas.microsoft.com/office/drawing/2010/main" xmlns="">
                     <a:solidFill>
                       <a:srgbClr val="FFFFFF"/>
                     </a:solidFill>
@@ -6637,7 +6641,7 @@
           <a:blip r:embed="rId8" cstate="print">
             <a:extLst>
               <a:ext uri="{28A0092B-C50C-407E-A947-70E740481C1C}">
-                <a14:useLocalDpi xmlns:a14="http://schemas.microsoft.com/office/drawing/2010/main" val="0"/>
+                <a14:useLocalDpi xmlns:a14="http://schemas.microsoft.com/office/drawing/2010/main" xmlns="" val="0"/>
               </a:ext>
             </a:extLst>
           </a:blip>
@@ -6657,7 +6661,7 @@
           <a:noFill/>
           <a:extLst>
             <a:ext uri="{909E8E84-426E-40DD-AFC4-6F175D3DCCD1}">
-              <a14:hiddenFill xmlns:a14="http://schemas.microsoft.com/office/drawing/2010/main">
+              <a14:hiddenFill xmlns:a14="http://schemas.microsoft.com/office/drawing/2010/main" xmlns="">
                 <a:solidFill>
                   <a:srgbClr val="FFFFFF"/>
                 </a:solidFill>
@@ -6678,7 +6682,7 @@
           <a:blip r:embed="rId9" cstate="print">
             <a:extLst>
               <a:ext uri="{28A0092B-C50C-407E-A947-70E740481C1C}">
-                <a14:useLocalDpi xmlns:a14="http://schemas.microsoft.com/office/drawing/2010/main" val="0"/>
+                <a14:useLocalDpi xmlns:a14="http://schemas.microsoft.com/office/drawing/2010/main" xmlns="" val="0"/>
               </a:ext>
             </a:extLst>
           </a:blip>
@@ -6696,7 +6700,7 @@
           <a:noFill/>
           <a:extLst>
             <a:ext uri="{909E8E84-426E-40DD-AFC4-6F175D3DCCD1}">
-              <a14:hiddenFill xmlns:a14="http://schemas.microsoft.com/office/drawing/2010/main">
+              <a14:hiddenFill xmlns:a14="http://schemas.microsoft.com/office/drawing/2010/main" xmlns="">
                 <a:solidFill>
                   <a:srgbClr val="FFFFFF"/>
                 </a:solidFill>
@@ -6717,7 +6721,7 @@
           <a:blip r:embed="rId10" cstate="print">
             <a:extLst>
               <a:ext uri="{28A0092B-C50C-407E-A947-70E740481C1C}">
-                <a14:useLocalDpi xmlns:a14="http://schemas.microsoft.com/office/drawing/2010/main" val="0"/>
+                <a14:useLocalDpi xmlns:a14="http://schemas.microsoft.com/office/drawing/2010/main" xmlns="" val="0"/>
               </a:ext>
             </a:extLst>
           </a:blip>
@@ -6735,7 +6739,7 @@
           <a:noFill/>
           <a:extLst>
             <a:ext uri="{909E8E84-426E-40DD-AFC4-6F175D3DCCD1}">
-              <a14:hiddenFill xmlns:a14="http://schemas.microsoft.com/office/drawing/2010/main">
+              <a14:hiddenFill xmlns:a14="http://schemas.microsoft.com/office/drawing/2010/main" xmlns="">
                 <a:solidFill>
                   <a:srgbClr val="FFFFFF"/>
                 </a:solidFill>
@@ -6756,7 +6760,7 @@
           <a:blip r:embed="rId11" cstate="print">
             <a:extLst>
               <a:ext uri="{28A0092B-C50C-407E-A947-70E740481C1C}">
-                <a14:useLocalDpi xmlns:a14="http://schemas.microsoft.com/office/drawing/2010/main" val="0"/>
+                <a14:useLocalDpi xmlns:a14="http://schemas.microsoft.com/office/drawing/2010/main" xmlns="" val="0"/>
               </a:ext>
             </a:extLst>
           </a:blip>
@@ -6774,7 +6778,7 @@
           <a:noFill/>
           <a:extLst>
             <a:ext uri="{909E8E84-426E-40DD-AFC4-6F175D3DCCD1}">
-              <a14:hiddenFill xmlns:a14="http://schemas.microsoft.com/office/drawing/2010/main">
+              <a14:hiddenFill xmlns:a14="http://schemas.microsoft.com/office/drawing/2010/main" xmlns="">
                 <a:solidFill>
                   <a:srgbClr val="FFFFFF"/>
                 </a:solidFill>
@@ -6795,7 +6799,7 @@
           <a:blip r:embed="rId12" cstate="print">
             <a:extLst>
               <a:ext uri="{28A0092B-C50C-407E-A947-70E740481C1C}">
-                <a14:useLocalDpi xmlns:a14="http://schemas.microsoft.com/office/drawing/2010/main" val="0"/>
+                <a14:useLocalDpi xmlns:a14="http://schemas.microsoft.com/office/drawing/2010/main" xmlns="" val="0"/>
               </a:ext>
             </a:extLst>
           </a:blip>
@@ -6813,7 +6817,7 @@
           <a:noFill/>
           <a:extLst>
             <a:ext uri="{909E8E84-426E-40DD-AFC4-6F175D3DCCD1}">
-              <a14:hiddenFill xmlns:a14="http://schemas.microsoft.com/office/drawing/2010/main">
+              <a14:hiddenFill xmlns:a14="http://schemas.microsoft.com/office/drawing/2010/main" xmlns="">
                 <a:solidFill>
                   <a:srgbClr val="FFFFFF"/>
                 </a:solidFill>
@@ -6834,7 +6838,7 @@
           <a:blip r:embed="rId11" cstate="print">
             <a:extLst>
               <a:ext uri="{28A0092B-C50C-407E-A947-70E740481C1C}">
-                <a14:useLocalDpi xmlns:a14="http://schemas.microsoft.com/office/drawing/2010/main" val="0"/>
+                <a14:useLocalDpi xmlns:a14="http://schemas.microsoft.com/office/drawing/2010/main" xmlns="" val="0"/>
               </a:ext>
             </a:extLst>
           </a:blip>
@@ -6852,7 +6856,7 @@
           <a:noFill/>
           <a:extLst>
             <a:ext uri="{909E8E84-426E-40DD-AFC4-6F175D3DCCD1}">
-              <a14:hiddenFill xmlns:a14="http://schemas.microsoft.com/office/drawing/2010/main">
+              <a14:hiddenFill xmlns:a14="http://schemas.microsoft.com/office/drawing/2010/main" xmlns="">
                 <a:solidFill>
                   <a:srgbClr val="FFFFFF"/>
                 </a:solidFill>
@@ -6887,7 +6891,7 @@
             <a:blip r:embed="rId13" cstate="print">
               <a:extLst>
                 <a:ext uri="{28A0092B-C50C-407E-A947-70E740481C1C}">
-                  <a14:useLocalDpi xmlns:a14="http://schemas.microsoft.com/office/drawing/2010/main" val="0"/>
+                  <a14:useLocalDpi xmlns:a14="http://schemas.microsoft.com/office/drawing/2010/main" xmlns="" val="0"/>
                 </a:ext>
               </a:extLst>
             </a:blip>
@@ -6907,7 +6911,7 @@
             <a:noFill/>
             <a:extLst>
               <a:ext uri="{909E8E84-426E-40DD-AFC4-6F175D3DCCD1}">
-                <a14:hiddenFill xmlns:a14="http://schemas.microsoft.com/office/drawing/2010/main">
+                <a14:hiddenFill xmlns:a14="http://schemas.microsoft.com/office/drawing/2010/main" xmlns="">
                   <a:solidFill>
                     <a:srgbClr val="FFFFFF"/>
                   </a:solidFill>
@@ -6928,7 +6932,7 @@
             <a:blip r:embed="rId14" cstate="print">
               <a:extLst>
                 <a:ext uri="{28A0092B-C50C-407E-A947-70E740481C1C}">
-                  <a14:useLocalDpi xmlns:a14="http://schemas.microsoft.com/office/drawing/2010/main" val="0"/>
+                  <a14:useLocalDpi xmlns:a14="http://schemas.microsoft.com/office/drawing/2010/main" xmlns="" val="0"/>
                 </a:ext>
               </a:extLst>
             </a:blip>
@@ -6946,7 +6950,7 @@
             <a:noFill/>
             <a:extLst>
               <a:ext uri="{909E8E84-426E-40DD-AFC4-6F175D3DCCD1}">
-                <a14:hiddenFill xmlns:a14="http://schemas.microsoft.com/office/drawing/2010/main">
+                <a14:hiddenFill xmlns:a14="http://schemas.microsoft.com/office/drawing/2010/main" xmlns="">
                   <a:solidFill>
                     <a:srgbClr val="FFFFFF"/>
                   </a:solidFill>
@@ -6982,7 +6986,7 @@
             <a:blip r:embed="rId13" cstate="print">
               <a:extLst>
                 <a:ext uri="{28A0092B-C50C-407E-A947-70E740481C1C}">
-                  <a14:useLocalDpi xmlns:a14="http://schemas.microsoft.com/office/drawing/2010/main" val="0"/>
+                  <a14:useLocalDpi xmlns:a14="http://schemas.microsoft.com/office/drawing/2010/main" xmlns="" val="0"/>
                 </a:ext>
               </a:extLst>
             </a:blip>
@@ -7002,7 +7006,7 @@
             <a:noFill/>
             <a:extLst>
               <a:ext uri="{909E8E84-426E-40DD-AFC4-6F175D3DCCD1}">
-                <a14:hiddenFill xmlns:a14="http://schemas.microsoft.com/office/drawing/2010/main">
+                <a14:hiddenFill xmlns:a14="http://schemas.microsoft.com/office/drawing/2010/main" xmlns="">
                   <a:solidFill>
                     <a:srgbClr val="FFFFFF"/>
                   </a:solidFill>
@@ -7023,7 +7027,7 @@
             <a:blip r:embed="rId15" cstate="print">
               <a:extLst>
                 <a:ext uri="{28A0092B-C50C-407E-A947-70E740481C1C}">
-                  <a14:useLocalDpi xmlns:a14="http://schemas.microsoft.com/office/drawing/2010/main" val="0"/>
+                  <a14:useLocalDpi xmlns:a14="http://schemas.microsoft.com/office/drawing/2010/main" xmlns="" val="0"/>
                 </a:ext>
               </a:extLst>
             </a:blip>
@@ -7041,7 +7045,7 @@
             <a:noFill/>
             <a:extLst>
               <a:ext uri="{909E8E84-426E-40DD-AFC4-6F175D3DCCD1}">
-                <a14:hiddenFill xmlns:a14="http://schemas.microsoft.com/office/drawing/2010/main">
+                <a14:hiddenFill xmlns:a14="http://schemas.microsoft.com/office/drawing/2010/main" xmlns="">
                   <a:solidFill>
                     <a:srgbClr val="FFFFFF"/>
                   </a:solidFill>
@@ -7063,7 +7067,7 @@
           <a:blip r:embed="rId16" cstate="print">
             <a:extLst>
               <a:ext uri="{28A0092B-C50C-407E-A947-70E740481C1C}">
-                <a14:useLocalDpi xmlns:a14="http://schemas.microsoft.com/office/drawing/2010/main" val="0"/>
+                <a14:useLocalDpi xmlns:a14="http://schemas.microsoft.com/office/drawing/2010/main" xmlns="" val="0"/>
               </a:ext>
             </a:extLst>
           </a:blip>
@@ -7081,7 +7085,7 @@
           <a:noFill/>
           <a:extLst>
             <a:ext uri="{909E8E84-426E-40DD-AFC4-6F175D3DCCD1}">
-              <a14:hiddenFill xmlns:a14="http://schemas.microsoft.com/office/drawing/2010/main">
+              <a14:hiddenFill xmlns:a14="http://schemas.microsoft.com/office/drawing/2010/main" xmlns="">
                 <a:solidFill>
                   <a:srgbClr val="FFFFFF"/>
                 </a:solidFill>
@@ -7102,7 +7106,7 @@
           <a:blip r:embed="rId17" cstate="print">
             <a:extLst>
               <a:ext uri="{28A0092B-C50C-407E-A947-70E740481C1C}">
-                <a14:useLocalDpi xmlns:a14="http://schemas.microsoft.com/office/drawing/2010/main" val="0"/>
+                <a14:useLocalDpi xmlns:a14="http://schemas.microsoft.com/office/drawing/2010/main" xmlns="" val="0"/>
               </a:ext>
             </a:extLst>
           </a:blip>
@@ -7120,7 +7124,7 @@
           <a:noFill/>
           <a:extLst>
             <a:ext uri="{909E8E84-426E-40DD-AFC4-6F175D3DCCD1}">
-              <a14:hiddenFill xmlns:a14="http://schemas.microsoft.com/office/drawing/2010/main">
+              <a14:hiddenFill xmlns:a14="http://schemas.microsoft.com/office/drawing/2010/main" xmlns="">
                 <a:solidFill>
                   <a:srgbClr val="FFFFFF"/>
                 </a:solidFill>
@@ -7141,7 +7145,7 @@
           <a:blip r:embed="rId18" cstate="print">
             <a:extLst>
               <a:ext uri="{28A0092B-C50C-407E-A947-70E740481C1C}">
-                <a14:useLocalDpi xmlns:a14="http://schemas.microsoft.com/office/drawing/2010/main" val="0"/>
+                <a14:useLocalDpi xmlns:a14="http://schemas.microsoft.com/office/drawing/2010/main" xmlns="" val="0"/>
               </a:ext>
             </a:extLst>
           </a:blip>
@@ -7168,7 +7172,7 @@
           </a:scene3d>
           <a:extLst>
             <a:ext uri="{909E8E84-426E-40DD-AFC4-6F175D3DCCD1}">
-              <a14:hiddenFill xmlns:a14="http://schemas.microsoft.com/office/drawing/2010/main">
+              <a14:hiddenFill xmlns:a14="http://schemas.microsoft.com/office/drawing/2010/main" xmlns="">
                 <a:solidFill>
                   <a:srgbClr val="FFFFFF"/>
                 </a:solidFill>
@@ -7189,7 +7193,7 @@
           <a:blip r:embed="rId19" cstate="print">
             <a:extLst>
               <a:ext uri="{28A0092B-C50C-407E-A947-70E740481C1C}">
-                <a14:useLocalDpi xmlns:a14="http://schemas.microsoft.com/office/drawing/2010/main" val="0"/>
+                <a14:useLocalDpi xmlns:a14="http://schemas.microsoft.com/office/drawing/2010/main" xmlns="" val="0"/>
               </a:ext>
             </a:extLst>
           </a:blip>
@@ -7216,7 +7220,7 @@
           </a:scene3d>
           <a:extLst>
             <a:ext uri="{909E8E84-426E-40DD-AFC4-6F175D3DCCD1}">
-              <a14:hiddenFill xmlns:a14="http://schemas.microsoft.com/office/drawing/2010/main">
+              <a14:hiddenFill xmlns:a14="http://schemas.microsoft.com/office/drawing/2010/main" xmlns="">
                 <a:solidFill>
                   <a:srgbClr val="FFFFFF"/>
                 </a:solidFill>
@@ -7251,7 +7255,7 @@
             <a:blip r:embed="rId20" cstate="print">
               <a:extLst>
                 <a:ext uri="{28A0092B-C50C-407E-A947-70E740481C1C}">
-                  <a14:useLocalDpi xmlns:a14="http://schemas.microsoft.com/office/drawing/2010/main" val="0"/>
+                  <a14:useLocalDpi xmlns:a14="http://schemas.microsoft.com/office/drawing/2010/main" xmlns="" val="0"/>
                 </a:ext>
               </a:extLst>
             </a:blip>
@@ -7271,7 +7275,7 @@
             <a:noFill/>
             <a:extLst>
               <a:ext uri="{909E8E84-426E-40DD-AFC4-6F175D3DCCD1}">
-                <a14:hiddenFill xmlns:a14="http://schemas.microsoft.com/office/drawing/2010/main">
+                <a14:hiddenFill xmlns:a14="http://schemas.microsoft.com/office/drawing/2010/main" xmlns="">
                   <a:solidFill>
                     <a:srgbClr val="FFFFFF"/>
                   </a:solidFill>
@@ -7299,7 +7303,7 @@
               </a:duotone>
               <a:extLst>
                 <a:ext uri="{28A0092B-C50C-407E-A947-70E740481C1C}">
-                  <a14:useLocalDpi xmlns:a14="http://schemas.microsoft.com/office/drawing/2010/main" val="0"/>
+                  <a14:useLocalDpi xmlns:a14="http://schemas.microsoft.com/office/drawing/2010/main" xmlns="" val="0"/>
                 </a:ext>
               </a:extLst>
             </a:blip>
@@ -7319,7 +7323,7 @@
             <a:noFill/>
             <a:extLst>
               <a:ext uri="{909E8E84-426E-40DD-AFC4-6F175D3DCCD1}">
-                <a14:hiddenFill xmlns:a14="http://schemas.microsoft.com/office/drawing/2010/main">
+                <a14:hiddenFill xmlns:a14="http://schemas.microsoft.com/office/drawing/2010/main" xmlns="">
                   <a:solidFill>
                     <a:srgbClr val="FFFFFF"/>
                   </a:solidFill>
@@ -7428,7 +7432,7 @@
             <a:blip r:embed="rId22" cstate="print">
               <a:extLst>
                 <a:ext uri="{28A0092B-C50C-407E-A947-70E740481C1C}">
-                  <a14:useLocalDpi xmlns:a14="http://schemas.microsoft.com/office/drawing/2010/main" val="0"/>
+                  <a14:useLocalDpi xmlns:a14="http://schemas.microsoft.com/office/drawing/2010/main" xmlns="" val="0"/>
                 </a:ext>
               </a:extLst>
             </a:blip>
@@ -7446,7 +7450,7 @@
             <a:noFill/>
             <a:extLst>
               <a:ext uri="{909E8E84-426E-40DD-AFC4-6F175D3DCCD1}">
-                <a14:hiddenFill xmlns:a14="http://schemas.microsoft.com/office/drawing/2010/main">
+                <a14:hiddenFill xmlns:a14="http://schemas.microsoft.com/office/drawing/2010/main" xmlns="">
                   <a:solidFill>
                     <a:srgbClr val="FFFFFF"/>
                   </a:solidFill>
@@ -7467,7 +7471,7 @@
             <a:blip r:embed="rId11" cstate="print">
               <a:extLst>
                 <a:ext uri="{28A0092B-C50C-407E-A947-70E740481C1C}">
-                  <a14:useLocalDpi xmlns:a14="http://schemas.microsoft.com/office/drawing/2010/main" val="0"/>
+                  <a14:useLocalDpi xmlns:a14="http://schemas.microsoft.com/office/drawing/2010/main" xmlns="" val="0"/>
                 </a:ext>
               </a:extLst>
             </a:blip>
@@ -7485,7 +7489,7 @@
             <a:noFill/>
             <a:extLst>
               <a:ext uri="{909E8E84-426E-40DD-AFC4-6F175D3DCCD1}">
-                <a14:hiddenFill xmlns:a14="http://schemas.microsoft.com/office/drawing/2010/main">
+                <a14:hiddenFill xmlns:a14="http://schemas.microsoft.com/office/drawing/2010/main" xmlns="">
                   <a:solidFill>
                     <a:srgbClr val="FFFFFF"/>
                   </a:solidFill>
@@ -7649,7 +7653,7 @@
             <a:blip r:embed="rId23" cstate="print">
               <a:extLst>
                 <a:ext uri="{28A0092B-C50C-407E-A947-70E740481C1C}">
-                  <a14:useLocalDpi xmlns:a14="http://schemas.microsoft.com/office/drawing/2010/main" val="0"/>
+                  <a14:useLocalDpi xmlns:a14="http://schemas.microsoft.com/office/drawing/2010/main" xmlns="" val="0"/>
                 </a:ext>
               </a:extLst>
             </a:blip>
@@ -7671,7 +7675,7 @@
             </a:scene3d>
             <a:extLst>
               <a:ext uri="{909E8E84-426E-40DD-AFC4-6F175D3DCCD1}">
-                <a14:hiddenFill xmlns:a14="http://schemas.microsoft.com/office/drawing/2010/main">
+                <a14:hiddenFill xmlns:a14="http://schemas.microsoft.com/office/drawing/2010/main" xmlns="">
                   <a:solidFill>
                     <a:srgbClr val="FFFFFF"/>
                   </a:solidFill>
@@ -7692,7 +7696,7 @@
             <a:blip r:embed="rId24" cstate="print">
               <a:extLst>
                 <a:ext uri="{28A0092B-C50C-407E-A947-70E740481C1C}">
-                  <a14:useLocalDpi xmlns:a14="http://schemas.microsoft.com/office/drawing/2010/main" val="0"/>
+                  <a14:useLocalDpi xmlns:a14="http://schemas.microsoft.com/office/drawing/2010/main" xmlns="" val="0"/>
                 </a:ext>
               </a:extLst>
             </a:blip>
@@ -7733,7 +7737,7 @@
             </a:sp3d>
             <a:extLst>
               <a:ext uri="{909E8E84-426E-40DD-AFC4-6F175D3DCCD1}">
-                <a14:hiddenFill xmlns:a14="http://schemas.microsoft.com/office/drawing/2010/main">
+                <a14:hiddenFill xmlns:a14="http://schemas.microsoft.com/office/drawing/2010/main" xmlns="">
                   <a:solidFill>
                     <a:srgbClr val="FFFFFF"/>
                   </a:solidFill>
@@ -7754,7 +7758,7 @@
             <a:blip r:embed="rId25" cstate="print">
               <a:extLst>
                 <a:ext uri="{28A0092B-C50C-407E-A947-70E740481C1C}">
-                  <a14:useLocalDpi xmlns:a14="http://schemas.microsoft.com/office/drawing/2010/main" val="0"/>
+                  <a14:useLocalDpi xmlns:a14="http://schemas.microsoft.com/office/drawing/2010/main" xmlns="" val="0"/>
                 </a:ext>
               </a:extLst>
             </a:blip>
@@ -7826,7 +7830,7 @@
               </a:duotone>
               <a:extLst>
                 <a:ext uri="{28A0092B-C50C-407E-A947-70E740481C1C}">
-                  <a14:useLocalDpi xmlns:a14="http://schemas.microsoft.com/office/drawing/2010/main" val="0"/>
+                  <a14:useLocalDpi xmlns:a14="http://schemas.microsoft.com/office/drawing/2010/main" xmlns="" val="0"/>
                 </a:ext>
               </a:extLst>
             </a:blip>
@@ -7844,7 +7848,7 @@
             <a:noFill/>
             <a:extLst>
               <a:ext uri="{909E8E84-426E-40DD-AFC4-6F175D3DCCD1}">
-                <a14:hiddenFill xmlns:a14="http://schemas.microsoft.com/office/drawing/2010/main">
+                <a14:hiddenFill xmlns:a14="http://schemas.microsoft.com/office/drawing/2010/main" xmlns="">
                   <a:solidFill>
                     <a:srgbClr val="FFFFFF"/>
                   </a:solidFill>
@@ -7873,7 +7877,7 @@
             </a:duotone>
             <a:extLst>
               <a:ext uri="{28A0092B-C50C-407E-A947-70E740481C1C}">
-                <a14:useLocalDpi xmlns:a14="http://schemas.microsoft.com/office/drawing/2010/main" val="0"/>
+                <a14:useLocalDpi xmlns:a14="http://schemas.microsoft.com/office/drawing/2010/main" xmlns="" val="0"/>
               </a:ext>
             </a:extLst>
           </a:blip>
@@ -7897,7 +7901,7 @@
           </a:scene3d>
           <a:extLst>
             <a:ext uri="{909E8E84-426E-40DD-AFC4-6F175D3DCCD1}">
-              <a14:hiddenFill xmlns:a14="http://schemas.microsoft.com/office/drawing/2010/main">
+              <a14:hiddenFill xmlns:a14="http://schemas.microsoft.com/office/drawing/2010/main" xmlns="">
                 <a:solidFill>
                   <a:srgbClr val="FFFFFF"/>
                 </a:solidFill>
@@ -7918,7 +7922,7 @@
           <a:blip r:embed="rId27" cstate="print">
             <a:extLst>
               <a:ext uri="{28A0092B-C50C-407E-A947-70E740481C1C}">
-                <a14:useLocalDpi xmlns:a14="http://schemas.microsoft.com/office/drawing/2010/main" val="0"/>
+                <a14:useLocalDpi xmlns:a14="http://schemas.microsoft.com/office/drawing/2010/main" xmlns="" val="0"/>
               </a:ext>
             </a:extLst>
           </a:blip>
@@ -7940,7 +7944,7 @@
           </a:scene3d>
           <a:extLst>
             <a:ext uri="{909E8E84-426E-40DD-AFC4-6F175D3DCCD1}">
-              <a14:hiddenFill xmlns:a14="http://schemas.microsoft.com/office/drawing/2010/main">
+              <a14:hiddenFill xmlns:a14="http://schemas.microsoft.com/office/drawing/2010/main" xmlns="">
                 <a:solidFill>
                   <a:srgbClr val="FFFFFF"/>
                 </a:solidFill>
@@ -8119,7 +8123,7 @@
             <a:lum bright="70000" contrast="-70000"/>
             <a:extLst>
               <a:ext uri="{28A0092B-C50C-407E-A947-70E740481C1C}">
-                <a14:useLocalDpi xmlns:a14="http://schemas.microsoft.com/office/drawing/2010/main" val="0"/>
+                <a14:useLocalDpi xmlns:a14="http://schemas.microsoft.com/office/drawing/2010/main" xmlns="" val="0"/>
               </a:ext>
             </a:extLst>
           </a:blip>
@@ -8139,7 +8143,7 @@
           <a:noFill/>
           <a:extLst>
             <a:ext uri="{909E8E84-426E-40DD-AFC4-6F175D3DCCD1}">
-              <a14:hiddenFill xmlns:a14="http://schemas.microsoft.com/office/drawing/2010/main">
+              <a14:hiddenFill xmlns:a14="http://schemas.microsoft.com/office/drawing/2010/main" xmlns="">
                 <a:solidFill>
                   <a:srgbClr val="FFFFFF"/>
                 </a:solidFill>
@@ -8595,18 +8599,18 @@
     </p:spTree>
     <p:extLst>
       <p:ext uri="{BB962C8B-B14F-4D97-AF65-F5344CB8AC3E}">
-        <p14:creationId xmlns:p14="http://schemas.microsoft.com/office/powerpoint/2010/main" val="1718071716"/>
+        <p14:creationId xmlns:p14="http://schemas.microsoft.com/office/powerpoint/2010/main" xmlns="" val="1718071716"/>
       </p:ext>
     </p:extLst>
   </p:cSld>
   <p:clrMapOvr>
     <a:masterClrMapping/>
   </p:clrMapOvr>
-  <mc:AlternateContent xmlns:mc="http://schemas.openxmlformats.org/markup-compatibility/2006" xmlns:p14="http://schemas.microsoft.com/office/powerpoint/2010/main">
-    <mc:Choice Requires="p14">
+  <mc:AlternateContent xmlns:mc="http://schemas.openxmlformats.org/markup-compatibility/2006">
+    <mc:Choice xmlns:p14="http://schemas.microsoft.com/office/powerpoint/2010/main" xmlns="" Requires="p14">
       <p:transition p14:dur="0"/>
     </mc:Choice>
-    <mc:Fallback xmlns="">
+    <mc:Fallback>
       <p:transition/>
     </mc:Fallback>
   </mc:AlternateContent>
@@ -8812,18 +8816,7 @@
                 <a:ea typeface="Batang" pitchFamily="18" charset="-127"/>
                 <a:cs typeface="Times New Roman" panose="02020603050405020304" pitchFamily="18" charset="0"/>
               </a:rPr>
-              <a:t>Ground </a:t>
-            </a:r>
-            <a:r>
-              <a:rPr lang="en-US" sz="2900" b="1" dirty="0" smtClean="0">
-                <a:solidFill>
-                  <a:srgbClr val="000000"/>
-                </a:solidFill>
-                <a:latin typeface="Batang" pitchFamily="18" charset="-127"/>
-                <a:ea typeface="Batang" pitchFamily="18" charset="-127"/>
-                <a:cs typeface="Times New Roman" panose="02020603050405020304" pitchFamily="18" charset="0"/>
-              </a:rPr>
-              <a:t>Bus </a:t>
+              <a:t>Ground Bus </a:t>
             </a:r>
             <a:r>
               <a:rPr lang="en-US" sz="2900" dirty="0" smtClean="0">
@@ -8904,29 +8897,7 @@
                 <a:ea typeface="Batang" pitchFamily="18" charset="-127"/>
                 <a:cs typeface="Times New Roman" panose="02020603050405020304" pitchFamily="18" charset="0"/>
               </a:rPr>
-              <a:t> – Keyboard, </a:t>
-            </a:r>
-            <a:r>
-              <a:rPr lang="en-US" sz="2900" dirty="0" smtClean="0">
-                <a:solidFill>
-                  <a:srgbClr val="000000"/>
-                </a:solidFill>
-                <a:latin typeface="Batang" pitchFamily="18" charset="-127"/>
-                <a:ea typeface="Batang" pitchFamily="18" charset="-127"/>
-                <a:cs typeface="Times New Roman" panose="02020603050405020304" pitchFamily="18" charset="0"/>
-              </a:rPr>
-              <a:t>Window Door Motion </a:t>
-            </a:r>
-            <a:r>
-              <a:rPr lang="en-US" sz="2900" dirty="0" smtClean="0">
-                <a:solidFill>
-                  <a:srgbClr val="000000"/>
-                </a:solidFill>
-                <a:latin typeface="Batang" pitchFamily="18" charset="-127"/>
-                <a:ea typeface="Batang" pitchFamily="18" charset="-127"/>
-                <a:cs typeface="Times New Roman" panose="02020603050405020304" pitchFamily="18" charset="0"/>
-              </a:rPr>
-              <a:t>sensors, Alarm mode</a:t>
+              <a:t> – Keyboard, Window Door Motion sensors, Alarm mode</a:t>
             </a:r>
           </a:p>
         </p:txBody>
@@ -8934,18 +8905,18 @@
     </p:spTree>
     <p:extLst>
       <p:ext uri="{BB962C8B-B14F-4D97-AF65-F5344CB8AC3E}">
-        <p14:creationId xmlns:p14="http://schemas.microsoft.com/office/powerpoint/2010/main" val="3994548631"/>
+        <p14:creationId xmlns:p14="http://schemas.microsoft.com/office/powerpoint/2010/main" xmlns="" val="3994548631"/>
       </p:ext>
     </p:extLst>
   </p:cSld>
   <p:clrMapOvr>
     <a:masterClrMapping/>
   </p:clrMapOvr>
-  <mc:AlternateContent xmlns:mc="http://schemas.openxmlformats.org/markup-compatibility/2006" xmlns:p14="http://schemas.microsoft.com/office/powerpoint/2010/main">
-    <mc:Choice Requires="p14">
+  <mc:AlternateContent xmlns:mc="http://schemas.openxmlformats.org/markup-compatibility/2006">
+    <mc:Choice xmlns:p14="http://schemas.microsoft.com/office/powerpoint/2010/main" xmlns="" Requires="p14">
       <p:transition p14:dur="0"/>
     </mc:Choice>
-    <mc:Fallback xmlns="">
+    <mc:Fallback>
       <p:transition/>
     </mc:Fallback>
   </mc:AlternateContent>
@@ -8988,7 +8959,7 @@
           <a:blip r:embed="rId2" cstate="print">
             <a:extLst>
               <a:ext uri="{28A0092B-C50C-407E-A947-70E740481C1C}">
-                <a14:useLocalDpi xmlns:a14="http://schemas.microsoft.com/office/drawing/2010/main" val="0"/>
+                <a14:useLocalDpi xmlns:a14="http://schemas.microsoft.com/office/drawing/2010/main" xmlns="" val="0"/>
               </a:ext>
             </a:extLst>
           </a:blip>
@@ -9196,18 +9167,18 @@
     </p:spTree>
     <p:extLst>
       <p:ext uri="{BB962C8B-B14F-4D97-AF65-F5344CB8AC3E}">
-        <p14:creationId xmlns:p14="http://schemas.microsoft.com/office/powerpoint/2010/main" val="1440642141"/>
+        <p14:creationId xmlns:p14="http://schemas.microsoft.com/office/powerpoint/2010/main" xmlns="" val="1440642141"/>
       </p:ext>
     </p:extLst>
   </p:cSld>
   <p:clrMapOvr>
     <a:masterClrMapping/>
   </p:clrMapOvr>
-  <mc:AlternateContent xmlns:mc="http://schemas.openxmlformats.org/markup-compatibility/2006" xmlns:p14="http://schemas.microsoft.com/office/powerpoint/2010/main">
-    <mc:Choice Requires="p14">
+  <mc:AlternateContent xmlns:mc="http://schemas.openxmlformats.org/markup-compatibility/2006">
+    <mc:Choice xmlns:p14="http://schemas.microsoft.com/office/powerpoint/2010/main" xmlns="" Requires="p14">
       <p:transition p14:dur="0"/>
     </mc:Choice>
-    <mc:Fallback xmlns="">
+    <mc:Fallback>
       <p:transition/>
     </mc:Fallback>
   </mc:AlternateContent>
@@ -9299,7 +9270,7 @@
           <a:blip r:embed="rId2" cstate="print">
             <a:extLst>
               <a:ext uri="{28A0092B-C50C-407E-A947-70E740481C1C}">
-                <a14:useLocalDpi xmlns:a14="http://schemas.microsoft.com/office/drawing/2010/main" val="0"/>
+                <a14:useLocalDpi xmlns:a14="http://schemas.microsoft.com/office/drawing/2010/main" xmlns="" val="0"/>
               </a:ext>
             </a:extLst>
           </a:blip>
@@ -9449,21 +9420,51 @@
           </a:p>
         </p:txBody>
       </p:sp>
+      <p:sp>
+        <p:nvSpPr>
+          <p:cNvPr id="10" name="TextBox 9"/>
+          <p:cNvSpPr txBox="1"/>
+          <p:nvPr/>
+        </p:nvSpPr>
+        <p:spPr>
+          <a:xfrm>
+            <a:off x="1981200" y="4191000"/>
+            <a:ext cx="1905000" cy="477054"/>
+          </a:xfrm>
+          <a:prstGeom prst="rect">
+            <a:avLst/>
+          </a:prstGeom>
+          <a:noFill/>
+        </p:spPr>
+        <p:txBody>
+          <a:bodyPr wrap="square" rtlCol="0">
+            <a:spAutoFit/>
+          </a:bodyPr>
+          <a:lstStyle/>
+          <a:p>
+            <a:r>
+              <a:rPr lang="en-US" sz="2500" dirty="0" smtClean="0"/>
+              <a:t>Polarized</a:t>
+            </a:r>
+            <a:endParaRPr lang="en-US" sz="2500" dirty="0"/>
+          </a:p>
+        </p:txBody>
+      </p:sp>
     </p:spTree>
     <p:extLst>
       <p:ext uri="{BB962C8B-B14F-4D97-AF65-F5344CB8AC3E}">
-        <p14:creationId xmlns:p14="http://schemas.microsoft.com/office/powerpoint/2010/main" val="202428849"/>
+        <p14:creationId xmlns:p14="http://schemas.microsoft.com/office/powerpoint/2010/main" xmlns="" val="202428849"/>
       </p:ext>
     </p:extLst>
   </p:cSld>
   <p:clrMapOvr>
     <a:masterClrMapping/>
   </p:clrMapOvr>
-  <mc:AlternateContent xmlns:mc="http://schemas.openxmlformats.org/markup-compatibility/2006" xmlns:p14="http://schemas.microsoft.com/office/powerpoint/2010/main">
-    <mc:Choice Requires="p14">
+  <mc:AlternateContent xmlns:mc="http://schemas.openxmlformats.org/markup-compatibility/2006">
+    <mc:Choice xmlns:p14="http://schemas.microsoft.com/office/powerpoint/2010/main" xmlns="" Requires="p14">
       <p:transition p14:dur="0"/>
     </mc:Choice>
-    <mc:Fallback xmlns="">
+    <mc:Fallback>
       <p:transition/>
     </mc:Fallback>
   </mc:AlternateContent>
@@ -9506,7 +9507,7 @@
           <a:blip r:embed="rId2" cstate="print">
             <a:extLst>
               <a:ext uri="{28A0092B-C50C-407E-A947-70E740481C1C}">
-                <a14:useLocalDpi xmlns:a14="http://schemas.microsoft.com/office/drawing/2010/main" val="0"/>
+                <a14:useLocalDpi xmlns:a14="http://schemas.microsoft.com/office/drawing/2010/main" xmlns="" val="0"/>
               </a:ext>
             </a:extLst>
           </a:blip>
@@ -9705,21 +9706,51 @@
           </a:p>
         </p:txBody>
       </p:sp>
+      <p:sp>
+        <p:nvSpPr>
+          <p:cNvPr id="10" name="TextBox 9"/>
+          <p:cNvSpPr txBox="1"/>
+          <p:nvPr/>
+        </p:nvSpPr>
+        <p:spPr>
+          <a:xfrm>
+            <a:off x="1752600" y="4191000"/>
+            <a:ext cx="2438400" cy="477054"/>
+          </a:xfrm>
+          <a:prstGeom prst="rect">
+            <a:avLst/>
+          </a:prstGeom>
+          <a:noFill/>
+        </p:spPr>
+        <p:txBody>
+          <a:bodyPr wrap="square" rtlCol="0">
+            <a:spAutoFit/>
+          </a:bodyPr>
+          <a:lstStyle/>
+          <a:p>
+            <a:r>
+              <a:rPr lang="en-US" sz="2500" dirty="0" smtClean="0"/>
+              <a:t>Non Polarized</a:t>
+            </a:r>
+            <a:endParaRPr lang="en-US" sz="2500" dirty="0"/>
+          </a:p>
+        </p:txBody>
+      </p:sp>
     </p:spTree>
     <p:extLst>
       <p:ext uri="{BB962C8B-B14F-4D97-AF65-F5344CB8AC3E}">
-        <p14:creationId xmlns:p14="http://schemas.microsoft.com/office/powerpoint/2010/main" val="2788690756"/>
+        <p14:creationId xmlns:p14="http://schemas.microsoft.com/office/powerpoint/2010/main" xmlns="" val="2788690756"/>
       </p:ext>
     </p:extLst>
   </p:cSld>
   <p:clrMapOvr>
     <a:masterClrMapping/>
   </p:clrMapOvr>
-  <mc:AlternateContent xmlns:mc="http://schemas.openxmlformats.org/markup-compatibility/2006" xmlns:p14="http://schemas.microsoft.com/office/powerpoint/2010/main">
-    <mc:Choice Requires="p14">
+  <mc:AlternateContent xmlns:mc="http://schemas.openxmlformats.org/markup-compatibility/2006">
+    <mc:Choice xmlns:p14="http://schemas.microsoft.com/office/powerpoint/2010/main" xmlns="" Requires="p14">
       <p:transition p14:dur="0"/>
     </mc:Choice>
-    <mc:Fallback xmlns="">
+    <mc:Fallback>
       <p:transition/>
     </mc:Fallback>
   </mc:AlternateContent>
@@ -9764,7 +9795,7 @@
           <a:blip r:embed="rId2" cstate="print">
             <a:extLst>
               <a:ext uri="{28A0092B-C50C-407E-A947-70E740481C1C}">
-                <a14:useLocalDpi xmlns:a14="http://schemas.microsoft.com/office/drawing/2010/main" val="0"/>
+                <a14:useLocalDpi xmlns:a14="http://schemas.microsoft.com/office/drawing/2010/main" xmlns="" val="0"/>
               </a:ext>
             </a:extLst>
           </a:blip>
@@ -9950,18 +9981,18 @@
     </p:spTree>
     <p:extLst>
       <p:ext uri="{BB962C8B-B14F-4D97-AF65-F5344CB8AC3E}">
-        <p14:creationId xmlns:p14="http://schemas.microsoft.com/office/powerpoint/2010/main" val="2354313618"/>
+        <p14:creationId xmlns:p14="http://schemas.microsoft.com/office/powerpoint/2010/main" xmlns="" val="2354313618"/>
       </p:ext>
     </p:extLst>
   </p:cSld>
   <p:clrMapOvr>
     <a:masterClrMapping/>
   </p:clrMapOvr>
-  <mc:AlternateContent xmlns:mc="http://schemas.openxmlformats.org/markup-compatibility/2006" xmlns:p14="http://schemas.microsoft.com/office/powerpoint/2010/main">
-    <mc:Choice Requires="p14">
+  <mc:AlternateContent xmlns:mc="http://schemas.openxmlformats.org/markup-compatibility/2006">
+    <mc:Choice xmlns:p14="http://schemas.microsoft.com/office/powerpoint/2010/main" xmlns="" Requires="p14">
       <p:transition p14:dur="0"/>
     </mc:Choice>
-    <mc:Fallback xmlns="">
+    <mc:Fallback>
       <p:transition/>
     </mc:Fallback>
   </mc:AlternateContent>
@@ -10070,7 +10101,11 @@
             </a:r>
             <a:r>
               <a:rPr lang="en-US" sz="2500" dirty="0" smtClean="0"/>
-              <a:t>Door (hardest)</a:t>
+              <a:t>Door </a:t>
+            </a:r>
+            <a:r>
+              <a:rPr lang="en-US" sz="2500" dirty="0" smtClean="0"/>
+              <a:t>(a little harder)</a:t>
             </a:r>
             <a:endParaRPr lang="en-US" sz="2500" dirty="0"/>
           </a:p>
@@ -10116,13 +10151,8 @@
             </a:pPr>
             <a:r>
               <a:rPr lang="en-US" sz="2700" dirty="0" smtClean="0"/>
-              <a:t>Get your </a:t>
-            </a:r>
-            <a:r>
-              <a:rPr lang="en-US" sz="2700" dirty="0" smtClean="0"/>
-              <a:t>bag of parts</a:t>
-            </a:r>
-            <a:endParaRPr lang="en-US" sz="2700" dirty="0" smtClean="0"/>
+              <a:t>Get your bag of parts</a:t>
+            </a:r>
           </a:p>
           <a:p>
             <a:pPr>
@@ -10133,7 +10163,6 @@
               <a:rPr lang="en-US" sz="2700" dirty="0" smtClean="0"/>
               <a:t>Follow the Lab</a:t>
             </a:r>
-            <a:endParaRPr lang="en-US" sz="2700" dirty="0" smtClean="0"/>
           </a:p>
           <a:p>
             <a:pPr marL="457200" lvl="1" indent="0">
@@ -10210,18 +10239,18 @@
     </p:spTree>
     <p:extLst>
       <p:ext uri="{BB962C8B-B14F-4D97-AF65-F5344CB8AC3E}">
-        <p14:creationId xmlns:p14="http://schemas.microsoft.com/office/powerpoint/2010/main" val="2520951345"/>
+        <p14:creationId xmlns:p14="http://schemas.microsoft.com/office/powerpoint/2010/main" xmlns="" val="2520951345"/>
       </p:ext>
     </p:extLst>
   </p:cSld>
   <p:clrMapOvr>
     <a:masterClrMapping/>
   </p:clrMapOvr>
-  <mc:AlternateContent xmlns:mc="http://schemas.openxmlformats.org/markup-compatibility/2006" xmlns:p14="http://schemas.microsoft.com/office/powerpoint/2010/main">
-    <mc:Choice Requires="p14">
+  <mc:AlternateContent xmlns:mc="http://schemas.openxmlformats.org/markup-compatibility/2006">
+    <mc:Choice xmlns:p14="http://schemas.microsoft.com/office/powerpoint/2010/main" xmlns="" Requires="p14">
       <p:transition p14:dur="0"/>
     </mc:Choice>
-    <mc:Fallback xmlns="">
+    <mc:Fallback>
       <p:transition/>
     </mc:Fallback>
   </mc:AlternateContent>
